--- a/Presentation/Task4.1-DivRsity.pptx
+++ b/Presentation/Task4.1-DivRsity.pptx
@@ -3544,7 +3544,15 @@
             <a:pPr lvl="1"/>
             <a:r>
               <a:rPr lang="en-US" sz="2000" dirty="0"/>
-              <a:t>Based on peoples expressed gender asked before the run</a:t>
+              <a:t>Based </a:t>
+            </a:r>
+            <a:r>
+              <a:rPr lang="en-US" sz="2000"/>
+              <a:t>on people’s </a:t>
+            </a:r>
+            <a:r>
+              <a:rPr lang="en-US" sz="2000" dirty="0"/>
+              <a:t>expressed gender asked before the run</a:t>
             </a:r>
           </a:p>
           <a:p>
